--- a/ppt学术版模板.pptx
+++ b/ppt学术版模板.pptx
@@ -5,10 +5,10 @@
     <p:sldMasterId id="2147483802" r:id="rId1"/>
   </p:sldMasterIdLst>
   <p:notesMasterIdLst>
-    <p:notesMasterId r:id="rId29"/>
+    <p:notesMasterId r:id="rId30"/>
   </p:notesMasterIdLst>
   <p:handoutMasterIdLst>
-    <p:handoutMasterId r:id="rId30"/>
+    <p:handoutMasterId r:id="rId31"/>
   </p:handoutMasterIdLst>
   <p:sldIdLst>
     <p:sldId id="259" r:id="rId2"/>
@@ -37,7 +37,8 @@
     <p:sldId id="279" r:id="rId25"/>
     <p:sldId id="280" r:id="rId26"/>
     <p:sldId id="281" r:id="rId27"/>
-    <p:sldId id="282" r:id="rId28"/>
+    <p:sldId id="290" r:id="rId28"/>
+    <p:sldId id="282" r:id="rId29"/>
   </p:sldIdLst>
   <p:sldSz cx="9144000" cy="6858000" type="screen4x3"/>
   <p:notesSz cx="6858000" cy="9144000"/>
@@ -10248,8 +10249,8 @@
           <a:chExt cx="0" cy="0"/>
         </a:xfrm>
       </p:grpSpPr>
-      <mc:AlternateContent xmlns:mc="http://schemas.openxmlformats.org/markup-compatibility/2006">
-        <mc:Choice xmlns:a14="http://schemas.microsoft.com/office/drawing/2010/main" Requires="a14">
+      <mc:AlternateContent xmlns:mc="http://schemas.openxmlformats.org/markup-compatibility/2006" xmlns:a14="http://schemas.microsoft.com/office/drawing/2010/main">
+        <mc:Choice Requires="a14">
           <p:sp>
             <p:nvSpPr>
               <p:cNvPr id="5" name="内容占位符 4"/>
@@ -10982,7 +10983,7 @@
             </p:txBody>
           </p:sp>
         </mc:Choice>
-        <mc:Fallback>
+        <mc:Fallback xmlns="">
           <p:sp>
             <p:nvSpPr>
               <p:cNvPr id="5" name="内容占位符 4"/>
@@ -15028,7 +15029,12 @@
                 <p:ph sz="quarter" idx="10"/>
               </p:nvPr>
             </p:nvSpPr>
-            <p:spPr/>
+            <p:spPr>
+              <a:xfrm>
+                <a:off x="494025" y="1685678"/>
+                <a:ext cx="8372163" cy="2575783"/>
+              </a:xfrm>
+            </p:spPr>
             <p:txBody>
               <a:bodyPr>
                 <a:normAutofit/>
@@ -15095,658 +15101,6 @@
                   <a:t> </a:t>
                 </a:r>
               </a:p>
-              <a:p>
-                <a:r>
-                  <a:rPr lang="en-US" altLang="zh-CN" dirty="0">
-                    <a:latin typeface="Arial" panose="020B0604020202020204" pitchFamily="34" charset="0"/>
-                    <a:cs typeface="Arial" panose="020B0604020202020204" pitchFamily="34" charset="0"/>
-                  </a:rPr>
-                  <a:t>So if we have coefficients </a:t>
-                </a:r>
-                <a14:m>
-                  <m:oMath xmlns:m="http://schemas.openxmlformats.org/officeDocument/2006/math">
-                    <m:sSub>
-                      <m:sSubPr>
-                        <m:ctrlPr>
-                          <a:rPr lang="en-US" altLang="zh-CN" b="0" i="1" dirty="0" smtClean="0">
-                            <a:latin typeface="Cambria Math" panose="02040503050406030204" pitchFamily="18" charset="0"/>
-                            <a:cs typeface="Arial" panose="020B0604020202020204" pitchFamily="34" charset="0"/>
-                          </a:rPr>
-                        </m:ctrlPr>
-                      </m:sSubPr>
-                      <m:e>
-                        <m:r>
-                          <a:rPr lang="en-US" altLang="zh-CN" i="1" dirty="0" smtClean="0">
-                            <a:latin typeface="Cambria Math" panose="02040503050406030204" pitchFamily="18" charset="0"/>
-                            <a:cs typeface="Arial" panose="020B0604020202020204" pitchFamily="34" charset="0"/>
-                          </a:rPr>
-                          <m:t>𝑎</m:t>
-                        </m:r>
-                      </m:e>
-                      <m:sub>
-                        <m:r>
-                          <a:rPr lang="en-US" altLang="zh-CN" i="1" dirty="0" smtClean="0">
-                            <a:latin typeface="Cambria Math" panose="02040503050406030204" pitchFamily="18" charset="0"/>
-                            <a:cs typeface="Arial" panose="020B0604020202020204" pitchFamily="34" charset="0"/>
-                          </a:rPr>
-                          <m:t>0</m:t>
-                        </m:r>
-                      </m:sub>
-                    </m:sSub>
-                    <m:r>
-                      <a:rPr lang="en-US" altLang="zh-CN" i="1" dirty="0" smtClean="0">
-                        <a:latin typeface="Cambria Math" panose="02040503050406030204" pitchFamily="18" charset="0"/>
-                        <a:cs typeface="Arial" panose="020B0604020202020204" pitchFamily="34" charset="0"/>
-                      </a:rPr>
-                      <m:t>, </m:t>
-                    </m:r>
-                    <m:sSub>
-                      <m:sSubPr>
-                        <m:ctrlPr>
-                          <a:rPr lang="en-US" altLang="zh-CN" b="0" i="1" dirty="0" smtClean="0">
-                            <a:latin typeface="Cambria Math" panose="02040503050406030204" pitchFamily="18" charset="0"/>
-                            <a:cs typeface="Arial" panose="020B0604020202020204" pitchFamily="34" charset="0"/>
-                          </a:rPr>
-                        </m:ctrlPr>
-                      </m:sSubPr>
-                      <m:e>
-                        <m:r>
-                          <a:rPr lang="en-US" altLang="zh-CN" i="1" dirty="0">
-                            <a:latin typeface="Cambria Math" panose="02040503050406030204" pitchFamily="18" charset="0"/>
-                            <a:cs typeface="Arial" panose="020B0604020202020204" pitchFamily="34" charset="0"/>
-                          </a:rPr>
-                          <m:t>𝑎</m:t>
-                        </m:r>
-                      </m:e>
-                      <m:sub>
-                        <m:r>
-                          <a:rPr lang="en-US" altLang="zh-CN" i="1" dirty="0">
-                            <a:latin typeface="Cambria Math" panose="02040503050406030204" pitchFamily="18" charset="0"/>
-                            <a:cs typeface="Arial" panose="020B0604020202020204" pitchFamily="34" charset="0"/>
-                          </a:rPr>
-                          <m:t>1</m:t>
-                        </m:r>
-                      </m:sub>
-                    </m:sSub>
-                    <m:r>
-                      <a:rPr lang="en-US" altLang="zh-CN" i="1" dirty="0">
-                        <a:latin typeface="Cambria Math" panose="02040503050406030204" pitchFamily="18" charset="0"/>
-                        <a:cs typeface="Arial" panose="020B0604020202020204" pitchFamily="34" charset="0"/>
-                      </a:rPr>
-                      <m:t>, . . . , </m:t>
-                    </m:r>
-                    <m:sSub>
-                      <m:sSubPr>
-                        <m:ctrlPr>
-                          <a:rPr lang="en-US" altLang="zh-CN" b="0" i="1" dirty="0" smtClean="0">
-                            <a:latin typeface="Cambria Math" panose="02040503050406030204" pitchFamily="18" charset="0"/>
-                            <a:cs typeface="Arial" panose="020B0604020202020204" pitchFamily="34" charset="0"/>
-                          </a:rPr>
-                        </m:ctrlPr>
-                      </m:sSubPr>
-                      <m:e>
-                        <m:r>
-                          <a:rPr lang="en-US" altLang="zh-CN" i="1" dirty="0">
-                            <a:latin typeface="Cambria Math" panose="02040503050406030204" pitchFamily="18" charset="0"/>
-                            <a:cs typeface="Arial" panose="020B0604020202020204" pitchFamily="34" charset="0"/>
-                          </a:rPr>
-                          <m:t>𝑎</m:t>
-                        </m:r>
-                      </m:e>
-                      <m:sub>
-                        <m:r>
-                          <a:rPr lang="en-US" altLang="zh-CN" b="0" i="1" dirty="0" smtClean="0">
-                            <a:latin typeface="Cambria Math" panose="02040503050406030204" pitchFamily="18" charset="0"/>
-                            <a:cs typeface="Arial" panose="020B0604020202020204" pitchFamily="34" charset="0"/>
-                          </a:rPr>
-                          <m:t>𝑘</m:t>
-                        </m:r>
-                        <m:r>
-                          <a:rPr lang="en-US" altLang="zh-CN" b="0" i="1" dirty="0" smtClean="0">
-                            <a:latin typeface="Cambria Math" panose="02040503050406030204" pitchFamily="18" charset="0"/>
-                            <a:cs typeface="Arial" panose="020B0604020202020204" pitchFamily="34" charset="0"/>
-                          </a:rPr>
-                          <m:t>−1</m:t>
-                        </m:r>
-                      </m:sub>
-                    </m:sSub>
-                    <m:r>
-                      <a:rPr lang="en-US" altLang="zh-CN" i="1" dirty="0">
-                        <a:latin typeface="Cambria Math" panose="02040503050406030204" pitchFamily="18" charset="0"/>
-                        <a:cs typeface="Arial" panose="020B0604020202020204" pitchFamily="34" charset="0"/>
-                      </a:rPr>
-                      <m:t> </m:t>
-                    </m:r>
-                  </m:oMath>
-                </a14:m>
-                <a:r>
-                  <a:rPr lang="en-US" altLang="zh-CN" dirty="0">
-                    <a:latin typeface="Arial" panose="020B0604020202020204" pitchFamily="34" charset="0"/>
-                    <a:cs typeface="Arial" panose="020B0604020202020204" pitchFamily="34" charset="0"/>
-                  </a:rPr>
-                  <a:t>and variables </a:t>
-                </a:r>
-                <a14:m>
-                  <m:oMath xmlns:m="http://schemas.openxmlformats.org/officeDocument/2006/math">
-                    <m:sSub>
-                      <m:sSubPr>
-                        <m:ctrlPr>
-                          <a:rPr lang="en-US" altLang="zh-CN" b="0" i="1" dirty="0" smtClean="0">
-                            <a:latin typeface="Cambria Math" panose="02040503050406030204" pitchFamily="18" charset="0"/>
-                            <a:cs typeface="Arial" panose="020B0604020202020204" pitchFamily="34" charset="0"/>
-                          </a:rPr>
-                        </m:ctrlPr>
-                      </m:sSubPr>
-                      <m:e>
-                        <m:r>
-                          <a:rPr lang="en-US" altLang="zh-CN" i="1" dirty="0" smtClean="0">
-                            <a:latin typeface="Cambria Math" panose="02040503050406030204" pitchFamily="18" charset="0"/>
-                            <a:cs typeface="Arial" panose="020B0604020202020204" pitchFamily="34" charset="0"/>
-                          </a:rPr>
-                          <m:t>𝑥</m:t>
-                        </m:r>
-                      </m:e>
-                      <m:sub>
-                        <m:r>
-                          <a:rPr lang="en-US" altLang="zh-CN" i="1" dirty="0" smtClean="0">
-                            <a:latin typeface="Cambria Math" panose="02040503050406030204" pitchFamily="18" charset="0"/>
-                            <a:cs typeface="Arial" panose="020B0604020202020204" pitchFamily="34" charset="0"/>
-                          </a:rPr>
-                          <m:t>0</m:t>
-                        </m:r>
-                      </m:sub>
-                    </m:sSub>
-                    <m:r>
-                      <a:rPr lang="en-US" altLang="zh-CN" i="1" dirty="0" smtClean="0">
-                        <a:latin typeface="Cambria Math" panose="02040503050406030204" pitchFamily="18" charset="0"/>
-                        <a:cs typeface="Arial" panose="020B0604020202020204" pitchFamily="34" charset="0"/>
-                      </a:rPr>
-                      <m:t>, </m:t>
-                    </m:r>
-                    <m:sSub>
-                      <m:sSubPr>
-                        <m:ctrlPr>
-                          <a:rPr lang="en-US" altLang="zh-CN" b="0" i="1" dirty="0" smtClean="0">
-                            <a:latin typeface="Cambria Math" panose="02040503050406030204" pitchFamily="18" charset="0"/>
-                            <a:cs typeface="Arial" panose="020B0604020202020204" pitchFamily="34" charset="0"/>
-                          </a:rPr>
-                        </m:ctrlPr>
-                      </m:sSubPr>
-                      <m:e>
-                        <m:r>
-                          <a:rPr lang="en-US" altLang="zh-CN" i="1" dirty="0" smtClean="0">
-                            <a:latin typeface="Cambria Math" panose="02040503050406030204" pitchFamily="18" charset="0"/>
-                            <a:cs typeface="Arial" panose="020B0604020202020204" pitchFamily="34" charset="0"/>
-                          </a:rPr>
-                          <m:t>𝑥</m:t>
-                        </m:r>
-                      </m:e>
-                      <m:sub>
-                        <m:r>
-                          <a:rPr lang="en-US" altLang="zh-CN" i="1" dirty="0" smtClean="0">
-                            <a:latin typeface="Cambria Math" panose="02040503050406030204" pitchFamily="18" charset="0"/>
-                            <a:cs typeface="Arial" panose="020B0604020202020204" pitchFamily="34" charset="0"/>
-                          </a:rPr>
-                          <m:t>1</m:t>
-                        </m:r>
-                      </m:sub>
-                    </m:sSub>
-                    <m:r>
-                      <a:rPr lang="en-US" altLang="zh-CN" i="1" dirty="0" smtClean="0">
-                        <a:latin typeface="Cambria Math" panose="02040503050406030204" pitchFamily="18" charset="0"/>
-                        <a:cs typeface="Arial" panose="020B0604020202020204" pitchFamily="34" charset="0"/>
-                      </a:rPr>
-                      <m:t>, . . . , </m:t>
-                    </m:r>
-                    <m:sSub>
-                      <m:sSubPr>
-                        <m:ctrlPr>
-                          <a:rPr lang="en-US" altLang="zh-CN" b="0" i="1" dirty="0" smtClean="0">
-                            <a:latin typeface="Cambria Math" panose="02040503050406030204" pitchFamily="18" charset="0"/>
-                            <a:cs typeface="Arial" panose="020B0604020202020204" pitchFamily="34" charset="0"/>
-                          </a:rPr>
-                        </m:ctrlPr>
-                      </m:sSubPr>
-                      <m:e>
-                        <m:r>
-                          <a:rPr lang="en-US" altLang="zh-CN" i="1" dirty="0" smtClean="0">
-                            <a:latin typeface="Cambria Math" panose="02040503050406030204" pitchFamily="18" charset="0"/>
-                            <a:cs typeface="Arial" panose="020B0604020202020204" pitchFamily="34" charset="0"/>
-                          </a:rPr>
-                          <m:t>𝑥</m:t>
-                        </m:r>
-                      </m:e>
-                      <m:sub>
-                        <m:r>
-                          <a:rPr lang="en-US" altLang="zh-CN" i="1" dirty="0" smtClean="0">
-                            <a:latin typeface="Cambria Math" panose="02040503050406030204" pitchFamily="18" charset="0"/>
-                            <a:cs typeface="Arial" panose="020B0604020202020204" pitchFamily="34" charset="0"/>
-                          </a:rPr>
-                          <m:t>𝑘</m:t>
-                        </m:r>
-                        <m:r>
-                          <a:rPr lang="en-US" altLang="zh-CN" b="0" i="1" dirty="0" smtClean="0">
-                            <a:latin typeface="Cambria Math" panose="02040503050406030204" pitchFamily="18" charset="0"/>
-                            <a:cs typeface="Arial" panose="020B0604020202020204" pitchFamily="34" charset="0"/>
-                          </a:rPr>
-                          <m:t>−1</m:t>
-                        </m:r>
-                      </m:sub>
-                    </m:sSub>
-                  </m:oMath>
-                </a14:m>
-                <a:r>
-                  <a:rPr lang="en-US" altLang="zh-CN" dirty="0">
-                    <a:latin typeface="Arial" panose="020B0604020202020204" pitchFamily="34" charset="0"/>
-                    <a:cs typeface="Arial" panose="020B0604020202020204" pitchFamily="34" charset="0"/>
-                  </a:rPr>
-                  <a:t>, we can encode the coefficients to </a:t>
-                </a:r>
-                <a14:m>
-                  <m:oMath xmlns:m="http://schemas.openxmlformats.org/officeDocument/2006/math">
-                    <m:r>
-                      <a:rPr lang="en-US" altLang="zh-CN" i="1" dirty="0" smtClean="0">
-                        <a:latin typeface="Cambria Math" panose="02040503050406030204" pitchFamily="18" charset="0"/>
-                        <a:cs typeface="Arial" panose="020B0604020202020204" pitchFamily="34" charset="0"/>
-                      </a:rPr>
-                      <m:t>𝑓</m:t>
-                    </m:r>
-                    <m:r>
-                      <a:rPr lang="en-US" altLang="zh-CN" i="1" dirty="0" smtClean="0">
-                        <a:latin typeface="Cambria Math" panose="02040503050406030204" pitchFamily="18" charset="0"/>
-                        <a:cs typeface="Arial" panose="020B0604020202020204" pitchFamily="34" charset="0"/>
-                      </a:rPr>
-                      <m:t> (</m:t>
-                    </m:r>
-                    <m:sSub>
-                      <m:sSubPr>
-                        <m:ctrlPr>
-                          <a:rPr lang="en-US" altLang="zh-CN" b="0" i="1" dirty="0" smtClean="0">
-                            <a:latin typeface="Cambria Math" panose="02040503050406030204" pitchFamily="18" charset="0"/>
-                            <a:cs typeface="Arial" panose="020B0604020202020204" pitchFamily="34" charset="0"/>
-                          </a:rPr>
-                        </m:ctrlPr>
-                      </m:sSubPr>
-                      <m:e>
-                        <m:r>
-                          <a:rPr lang="en-US" altLang="zh-CN" i="1" dirty="0" smtClean="0">
-                            <a:latin typeface="Cambria Math" panose="02040503050406030204" pitchFamily="18" charset="0"/>
-                            <a:cs typeface="Arial" panose="020B0604020202020204" pitchFamily="34" charset="0"/>
-                          </a:rPr>
-                          <m:t>𝑥</m:t>
-                        </m:r>
-                      </m:e>
-                      <m:sub>
-                        <m:r>
-                          <a:rPr lang="en-US" altLang="zh-CN" i="1" dirty="0" smtClean="0">
-                            <a:latin typeface="Cambria Math" panose="02040503050406030204" pitchFamily="18" charset="0"/>
-                            <a:cs typeface="Arial" panose="020B0604020202020204" pitchFamily="34" charset="0"/>
-                          </a:rPr>
-                          <m:t>0</m:t>
-                        </m:r>
-                      </m:sub>
-                    </m:sSub>
-                    <m:r>
-                      <a:rPr lang="en-US" altLang="zh-CN" i="1" dirty="0" smtClean="0">
-                        <a:latin typeface="Cambria Math" panose="02040503050406030204" pitchFamily="18" charset="0"/>
-                        <a:cs typeface="Arial" panose="020B0604020202020204" pitchFamily="34" charset="0"/>
-                      </a:rPr>
-                      <m:t>), </m:t>
-                    </m:r>
-                    <m:r>
-                      <a:rPr lang="en-US" altLang="zh-CN" i="1" dirty="0" smtClean="0">
-                        <a:latin typeface="Cambria Math" panose="02040503050406030204" pitchFamily="18" charset="0"/>
-                        <a:cs typeface="Arial" panose="020B0604020202020204" pitchFamily="34" charset="0"/>
-                      </a:rPr>
-                      <m:t>𝑓</m:t>
-                    </m:r>
-                    <m:r>
-                      <a:rPr lang="en-US" altLang="zh-CN" i="1" dirty="0" smtClean="0">
-                        <a:latin typeface="Cambria Math" panose="02040503050406030204" pitchFamily="18" charset="0"/>
-                        <a:cs typeface="Arial" panose="020B0604020202020204" pitchFamily="34" charset="0"/>
-                      </a:rPr>
-                      <m:t> (</m:t>
-                    </m:r>
-                    <m:sSub>
-                      <m:sSubPr>
-                        <m:ctrlPr>
-                          <a:rPr lang="en-US" altLang="zh-CN" b="0" i="1" dirty="0" smtClean="0">
-                            <a:latin typeface="Cambria Math" panose="02040503050406030204" pitchFamily="18" charset="0"/>
-                            <a:cs typeface="Arial" panose="020B0604020202020204" pitchFamily="34" charset="0"/>
-                          </a:rPr>
-                        </m:ctrlPr>
-                      </m:sSubPr>
-                      <m:e>
-                        <m:r>
-                          <a:rPr lang="en-US" altLang="zh-CN" i="1" dirty="0" smtClean="0">
-                            <a:latin typeface="Cambria Math" panose="02040503050406030204" pitchFamily="18" charset="0"/>
-                            <a:cs typeface="Arial" panose="020B0604020202020204" pitchFamily="34" charset="0"/>
-                          </a:rPr>
-                          <m:t>𝑥</m:t>
-                        </m:r>
-                      </m:e>
-                      <m:sub>
-                        <m:r>
-                          <a:rPr lang="en-US" altLang="zh-CN" i="1" dirty="0" smtClean="0">
-                            <a:latin typeface="Cambria Math" panose="02040503050406030204" pitchFamily="18" charset="0"/>
-                            <a:cs typeface="Arial" panose="020B0604020202020204" pitchFamily="34" charset="0"/>
-                          </a:rPr>
-                          <m:t>1</m:t>
-                        </m:r>
-                      </m:sub>
-                    </m:sSub>
-                    <m:r>
-                      <a:rPr lang="en-US" altLang="zh-CN" i="1" dirty="0" smtClean="0">
-                        <a:latin typeface="Cambria Math" panose="02040503050406030204" pitchFamily="18" charset="0"/>
-                        <a:cs typeface="Arial" panose="020B0604020202020204" pitchFamily="34" charset="0"/>
-                      </a:rPr>
-                      <m:t>), . . . , </m:t>
-                    </m:r>
-                    <m:r>
-                      <a:rPr lang="en-US" altLang="zh-CN" i="1" dirty="0" smtClean="0">
-                        <a:latin typeface="Cambria Math" panose="02040503050406030204" pitchFamily="18" charset="0"/>
-                        <a:cs typeface="Arial" panose="020B0604020202020204" pitchFamily="34" charset="0"/>
-                      </a:rPr>
-                      <m:t>𝑓</m:t>
-                    </m:r>
-                    <m:r>
-                      <a:rPr lang="en-US" altLang="zh-CN" i="1" dirty="0" smtClean="0">
-                        <a:latin typeface="Cambria Math" panose="02040503050406030204" pitchFamily="18" charset="0"/>
-                        <a:cs typeface="Arial" panose="020B0604020202020204" pitchFamily="34" charset="0"/>
-                      </a:rPr>
-                      <m:t> (</m:t>
-                    </m:r>
-                    <m:sSub>
-                      <m:sSubPr>
-                        <m:ctrlPr>
-                          <a:rPr lang="en-US" altLang="zh-CN" b="0" i="1" dirty="0" smtClean="0">
-                            <a:latin typeface="Cambria Math" panose="02040503050406030204" pitchFamily="18" charset="0"/>
-                            <a:cs typeface="Arial" panose="020B0604020202020204" pitchFamily="34" charset="0"/>
-                          </a:rPr>
-                        </m:ctrlPr>
-                      </m:sSubPr>
-                      <m:e>
-                        <m:r>
-                          <a:rPr lang="en-US" altLang="zh-CN" i="1" dirty="0" smtClean="0">
-                            <a:latin typeface="Cambria Math" panose="02040503050406030204" pitchFamily="18" charset="0"/>
-                            <a:cs typeface="Arial" panose="020B0604020202020204" pitchFamily="34" charset="0"/>
-                          </a:rPr>
-                          <m:t>𝑥</m:t>
-                        </m:r>
-                      </m:e>
-                      <m:sub>
-                        <m:r>
-                          <a:rPr lang="en-US" altLang="zh-CN" i="1" dirty="0" smtClean="0">
-                            <a:latin typeface="Cambria Math" panose="02040503050406030204" pitchFamily="18" charset="0"/>
-                            <a:cs typeface="Arial" panose="020B0604020202020204" pitchFamily="34" charset="0"/>
-                          </a:rPr>
-                          <m:t>𝑘</m:t>
-                        </m:r>
-                        <m:r>
-                          <a:rPr lang="en-US" altLang="zh-CN" b="0" i="1" dirty="0" smtClean="0">
-                            <a:latin typeface="Cambria Math" panose="02040503050406030204" pitchFamily="18" charset="0"/>
-                            <a:cs typeface="Arial" panose="020B0604020202020204" pitchFamily="34" charset="0"/>
-                          </a:rPr>
-                          <m:t>−1</m:t>
-                        </m:r>
-                      </m:sub>
-                    </m:sSub>
-                    <m:r>
-                      <a:rPr lang="en-US" altLang="zh-CN" i="1" dirty="0" smtClean="0">
-                        <a:latin typeface="Cambria Math" panose="02040503050406030204" pitchFamily="18" charset="0"/>
-                        <a:cs typeface="Arial" panose="020B0604020202020204" pitchFamily="34" charset="0"/>
-                      </a:rPr>
-                      <m:t>), </m:t>
-                    </m:r>
-                  </m:oMath>
-                </a14:m>
-                <a:r>
-                  <a:rPr lang="en-US" altLang="zh-CN" dirty="0">
-                    <a:latin typeface="Arial" panose="020B0604020202020204" pitchFamily="34" charset="0"/>
-                    <a:cs typeface="Arial" panose="020B0604020202020204" pitchFamily="34" charset="0"/>
-                  </a:rPr>
-                  <a:t>and decoding means getting </a:t>
-                </a:r>
-                <a14:m>
-                  <m:oMath xmlns:m="http://schemas.openxmlformats.org/officeDocument/2006/math">
-                    <m:sSub>
-                      <m:sSubPr>
-                        <m:ctrlPr>
-                          <a:rPr lang="en-US" altLang="zh-CN" b="0" i="1" dirty="0" smtClean="0">
-                            <a:latin typeface="Cambria Math" panose="02040503050406030204" pitchFamily="18" charset="0"/>
-                            <a:cs typeface="Arial" panose="020B0604020202020204" pitchFamily="34" charset="0"/>
-                          </a:rPr>
-                        </m:ctrlPr>
-                      </m:sSubPr>
-                      <m:e>
-                        <m:r>
-                          <a:rPr lang="en-US" altLang="zh-CN" i="1" dirty="0" smtClean="0">
-                            <a:latin typeface="Cambria Math" panose="02040503050406030204" pitchFamily="18" charset="0"/>
-                            <a:cs typeface="Arial" panose="020B0604020202020204" pitchFamily="34" charset="0"/>
-                          </a:rPr>
-                          <m:t>𝑎</m:t>
-                        </m:r>
-                      </m:e>
-                      <m:sub>
-                        <m:r>
-                          <a:rPr lang="en-US" altLang="zh-CN" i="1" dirty="0" smtClean="0">
-                            <a:latin typeface="Cambria Math" panose="02040503050406030204" pitchFamily="18" charset="0"/>
-                            <a:cs typeface="Arial" panose="020B0604020202020204" pitchFamily="34" charset="0"/>
-                          </a:rPr>
-                          <m:t>0</m:t>
-                        </m:r>
-                      </m:sub>
-                    </m:sSub>
-                    <m:r>
-                      <a:rPr lang="en-US" altLang="zh-CN" i="1" dirty="0" smtClean="0">
-                        <a:latin typeface="Cambria Math" panose="02040503050406030204" pitchFamily="18" charset="0"/>
-                        <a:cs typeface="Arial" panose="020B0604020202020204" pitchFamily="34" charset="0"/>
-                      </a:rPr>
-                      <m:t>, </m:t>
-                    </m:r>
-                    <m:sSub>
-                      <m:sSubPr>
-                        <m:ctrlPr>
-                          <a:rPr lang="en-US" altLang="zh-CN" b="0" i="1" dirty="0" smtClean="0">
-                            <a:latin typeface="Cambria Math" panose="02040503050406030204" pitchFamily="18" charset="0"/>
-                            <a:cs typeface="Arial" panose="020B0604020202020204" pitchFamily="34" charset="0"/>
-                          </a:rPr>
-                        </m:ctrlPr>
-                      </m:sSubPr>
-                      <m:e>
-                        <m:r>
-                          <a:rPr lang="en-US" altLang="zh-CN" i="1" dirty="0" smtClean="0">
-                            <a:latin typeface="Cambria Math" panose="02040503050406030204" pitchFamily="18" charset="0"/>
-                            <a:cs typeface="Arial" panose="020B0604020202020204" pitchFamily="34" charset="0"/>
-                          </a:rPr>
-                          <m:t>𝑎</m:t>
-                        </m:r>
-                      </m:e>
-                      <m:sub>
-                        <m:r>
-                          <a:rPr lang="en-US" altLang="zh-CN" i="1" dirty="0" smtClean="0">
-                            <a:latin typeface="Cambria Math" panose="02040503050406030204" pitchFamily="18" charset="0"/>
-                            <a:cs typeface="Arial" panose="020B0604020202020204" pitchFamily="34" charset="0"/>
-                          </a:rPr>
-                          <m:t>1</m:t>
-                        </m:r>
-                      </m:sub>
-                    </m:sSub>
-                    <m:r>
-                      <a:rPr lang="en-US" altLang="zh-CN" i="1" dirty="0" smtClean="0">
-                        <a:latin typeface="Cambria Math" panose="02040503050406030204" pitchFamily="18" charset="0"/>
-                        <a:cs typeface="Arial" panose="020B0604020202020204" pitchFamily="34" charset="0"/>
-                      </a:rPr>
-                      <m:t>, . . . , </m:t>
-                    </m:r>
-                    <m:sSub>
-                      <m:sSubPr>
-                        <m:ctrlPr>
-                          <a:rPr lang="en-US" altLang="zh-CN" b="0" i="1" dirty="0" smtClean="0">
-                            <a:latin typeface="Cambria Math" panose="02040503050406030204" pitchFamily="18" charset="0"/>
-                            <a:cs typeface="Arial" panose="020B0604020202020204" pitchFamily="34" charset="0"/>
-                          </a:rPr>
-                        </m:ctrlPr>
-                      </m:sSubPr>
-                      <m:e>
-                        <m:r>
-                          <a:rPr lang="en-US" altLang="zh-CN" i="1" dirty="0" smtClean="0">
-                            <a:latin typeface="Cambria Math" panose="02040503050406030204" pitchFamily="18" charset="0"/>
-                            <a:cs typeface="Arial" panose="020B0604020202020204" pitchFamily="34" charset="0"/>
-                          </a:rPr>
-                          <m:t>𝑎</m:t>
-                        </m:r>
-                      </m:e>
-                      <m:sub>
-                        <m:r>
-                          <a:rPr lang="en-US" altLang="zh-CN" i="1" dirty="0" smtClean="0">
-                            <a:latin typeface="Cambria Math" panose="02040503050406030204" pitchFamily="18" charset="0"/>
-                            <a:cs typeface="Arial" panose="020B0604020202020204" pitchFamily="34" charset="0"/>
-                          </a:rPr>
-                          <m:t>𝑘</m:t>
-                        </m:r>
-                        <m:r>
-                          <a:rPr lang="en-US" altLang="zh-CN" b="0" i="1" dirty="0" smtClean="0">
-                            <a:latin typeface="Cambria Math" panose="02040503050406030204" pitchFamily="18" charset="0"/>
-                            <a:cs typeface="Arial" panose="020B0604020202020204" pitchFamily="34" charset="0"/>
-                          </a:rPr>
-                          <m:t>−1</m:t>
-                        </m:r>
-                      </m:sub>
-                    </m:sSub>
-                    <m:r>
-                      <a:rPr lang="en-US" altLang="zh-CN" i="1" dirty="0" smtClean="0">
-                        <a:latin typeface="Cambria Math" panose="02040503050406030204" pitchFamily="18" charset="0"/>
-                        <a:cs typeface="Arial" panose="020B0604020202020204" pitchFamily="34" charset="0"/>
-                      </a:rPr>
-                      <m:t> </m:t>
-                    </m:r>
-                  </m:oMath>
-                </a14:m>
-                <a:r>
-                  <a:rPr lang="en-US" altLang="zh-CN" dirty="0">
-                    <a:latin typeface="Arial" panose="020B0604020202020204" pitchFamily="34" charset="0"/>
-                    <a:cs typeface="Arial" panose="020B0604020202020204" pitchFamily="34" charset="0"/>
-                  </a:rPr>
-                  <a:t>via variables </a:t>
-                </a:r>
-                <a14:m>
-                  <m:oMath xmlns:m="http://schemas.openxmlformats.org/officeDocument/2006/math">
-                    <m:sSub>
-                      <m:sSubPr>
-                        <m:ctrlPr>
-                          <a:rPr lang="en-US" altLang="zh-CN" i="1" dirty="0">
-                            <a:latin typeface="Cambria Math" panose="02040503050406030204" pitchFamily="18" charset="0"/>
-                            <a:cs typeface="Arial" panose="020B0604020202020204" pitchFamily="34" charset="0"/>
-                          </a:rPr>
-                        </m:ctrlPr>
-                      </m:sSubPr>
-                      <m:e>
-                        <m:r>
-                          <a:rPr lang="en-US" altLang="zh-CN" i="1" dirty="0">
-                            <a:latin typeface="Cambria Math" panose="02040503050406030204" pitchFamily="18" charset="0"/>
-                            <a:cs typeface="Arial" panose="020B0604020202020204" pitchFamily="34" charset="0"/>
-                          </a:rPr>
-                          <m:t>𝑥</m:t>
-                        </m:r>
-                      </m:e>
-                      <m:sub>
-                        <m:r>
-                          <a:rPr lang="en-US" altLang="zh-CN" i="1" dirty="0">
-                            <a:latin typeface="Cambria Math" panose="02040503050406030204" pitchFamily="18" charset="0"/>
-                            <a:cs typeface="Arial" panose="020B0604020202020204" pitchFamily="34" charset="0"/>
-                          </a:rPr>
-                          <m:t>0</m:t>
-                        </m:r>
-                      </m:sub>
-                    </m:sSub>
-                    <m:r>
-                      <a:rPr lang="en-US" altLang="zh-CN" i="1" dirty="0">
-                        <a:latin typeface="Cambria Math" panose="02040503050406030204" pitchFamily="18" charset="0"/>
-                        <a:cs typeface="Arial" panose="020B0604020202020204" pitchFamily="34" charset="0"/>
-                      </a:rPr>
-                      <m:t>, </m:t>
-                    </m:r>
-                    <m:sSub>
-                      <m:sSubPr>
-                        <m:ctrlPr>
-                          <a:rPr lang="en-US" altLang="zh-CN" i="1" dirty="0">
-                            <a:latin typeface="Cambria Math" panose="02040503050406030204" pitchFamily="18" charset="0"/>
-                            <a:cs typeface="Arial" panose="020B0604020202020204" pitchFamily="34" charset="0"/>
-                          </a:rPr>
-                        </m:ctrlPr>
-                      </m:sSubPr>
-                      <m:e>
-                        <m:r>
-                          <a:rPr lang="en-US" altLang="zh-CN" i="1" dirty="0">
-                            <a:latin typeface="Cambria Math" panose="02040503050406030204" pitchFamily="18" charset="0"/>
-                            <a:cs typeface="Arial" panose="020B0604020202020204" pitchFamily="34" charset="0"/>
-                          </a:rPr>
-                          <m:t>𝑥</m:t>
-                        </m:r>
-                      </m:e>
-                      <m:sub>
-                        <m:r>
-                          <a:rPr lang="en-US" altLang="zh-CN" i="1" dirty="0">
-                            <a:latin typeface="Cambria Math" panose="02040503050406030204" pitchFamily="18" charset="0"/>
-                            <a:cs typeface="Arial" panose="020B0604020202020204" pitchFamily="34" charset="0"/>
-                          </a:rPr>
-                          <m:t>1</m:t>
-                        </m:r>
-                      </m:sub>
-                    </m:sSub>
-                    <m:r>
-                      <a:rPr lang="en-US" altLang="zh-CN" i="1" dirty="0">
-                        <a:latin typeface="Cambria Math" panose="02040503050406030204" pitchFamily="18" charset="0"/>
-                        <a:cs typeface="Arial" panose="020B0604020202020204" pitchFamily="34" charset="0"/>
-                      </a:rPr>
-                      <m:t>, . . . , </m:t>
-                    </m:r>
-                    <m:sSub>
-                      <m:sSubPr>
-                        <m:ctrlPr>
-                          <a:rPr lang="en-US" altLang="zh-CN" i="1" dirty="0">
-                            <a:latin typeface="Cambria Math" panose="02040503050406030204" pitchFamily="18" charset="0"/>
-                            <a:cs typeface="Arial" panose="020B0604020202020204" pitchFamily="34" charset="0"/>
-                          </a:rPr>
-                        </m:ctrlPr>
-                      </m:sSubPr>
-                      <m:e>
-                        <m:r>
-                          <a:rPr lang="en-US" altLang="zh-CN" i="1" dirty="0">
-                            <a:latin typeface="Cambria Math" panose="02040503050406030204" pitchFamily="18" charset="0"/>
-                            <a:cs typeface="Arial" panose="020B0604020202020204" pitchFamily="34" charset="0"/>
-                          </a:rPr>
-                          <m:t>𝑥</m:t>
-                        </m:r>
-                      </m:e>
-                      <m:sub>
-                        <m:r>
-                          <a:rPr lang="en-US" altLang="zh-CN" i="1" dirty="0">
-                            <a:latin typeface="Cambria Math" panose="02040503050406030204" pitchFamily="18" charset="0"/>
-                            <a:cs typeface="Arial" panose="020B0604020202020204" pitchFamily="34" charset="0"/>
-                          </a:rPr>
-                          <m:t>𝑘</m:t>
-                        </m:r>
-                        <m:r>
-                          <a:rPr lang="en-US" altLang="zh-CN" i="1" dirty="0">
-                            <a:latin typeface="Cambria Math" panose="02040503050406030204" pitchFamily="18" charset="0"/>
-                            <a:cs typeface="Arial" panose="020B0604020202020204" pitchFamily="34" charset="0"/>
-                          </a:rPr>
-                          <m:t>−1</m:t>
-                        </m:r>
-                      </m:sub>
-                    </m:sSub>
-                  </m:oMath>
-                </a14:m>
-                <a:r>
-                  <a:rPr lang="en-US" altLang="zh-CN" dirty="0">
-                    <a:latin typeface="Arial" panose="020B0604020202020204" pitchFamily="34" charset="0"/>
-                    <a:cs typeface="Arial" panose="020B0604020202020204" pitchFamily="34" charset="0"/>
-                  </a:rPr>
-                  <a:t>.</a:t>
-                </a:r>
-              </a:p>
             </p:txBody>
           </p:sp>
         </mc:Choice>
@@ -15762,10 +15116,14 @@
               </p:nvPr>
             </p:nvSpPr>
             <p:spPr>
+              <a:xfrm>
+                <a:off x="494025" y="1685678"/>
+                <a:ext cx="8372163" cy="2575783"/>
+              </a:xfrm>
               <a:blipFill>
                 <a:blip r:embed="rId2"/>
                 <a:stretch>
-                  <a:fillRect l="-801" t="-124" r="-728"/>
+                  <a:fillRect l="-801" t="-237" r="-728"/>
                 </a:stretch>
               </a:blipFill>
             </p:spPr>
@@ -19754,6 +19112,949 @@
           </a:extLst>
         </p:spPr>
       </p:pic>
+      <p:pic>
+        <p:nvPicPr>
+          <p:cNvPr id="4" name="图片 3">
+            <a:extLst>
+              <a:ext uri="{FF2B5EF4-FFF2-40B4-BE49-F238E27FC236}">
+                <a16:creationId xmlns:a16="http://schemas.microsoft.com/office/drawing/2014/main" id="{36974F60-D335-FEE5-400E-F624F62EEA98}"/>
+              </a:ext>
+            </a:extLst>
+          </p:cNvPr>
+          <p:cNvPicPr>
+            <a:picLocks noChangeAspect="1"/>
+          </p:cNvPicPr>
+          <p:nvPr/>
+        </p:nvPicPr>
+        <p:blipFill>
+          <a:blip r:embed="rId4"/>
+          <a:stretch>
+            <a:fillRect/>
+          </a:stretch>
+        </p:blipFill>
+        <p:spPr>
+          <a:xfrm>
+            <a:off x="4986679" y="3776384"/>
+            <a:ext cx="3795089" cy="2575783"/>
+          </a:xfrm>
+          <a:prstGeom prst="rect">
+            <a:avLst/>
+          </a:prstGeom>
+        </p:spPr>
+      </p:pic>
+      <mc:AlternateContent xmlns:mc="http://schemas.openxmlformats.org/markup-compatibility/2006">
+        <mc:Choice xmlns:a14="http://schemas.microsoft.com/office/drawing/2010/main" Requires="a14">
+          <p:sp>
+            <p:nvSpPr>
+              <p:cNvPr id="7" name="内容占位符 4">
+                <a:extLst>
+                  <a:ext uri="{FF2B5EF4-FFF2-40B4-BE49-F238E27FC236}">
+                    <a16:creationId xmlns:a16="http://schemas.microsoft.com/office/drawing/2014/main" id="{A9EA2882-4287-3BC9-5116-C518633BBA10}"/>
+                  </a:ext>
+                </a:extLst>
+              </p:cNvPr>
+              <p:cNvSpPr txBox="1">
+                <a:spLocks/>
+              </p:cNvSpPr>
+              <p:nvPr/>
+            </p:nvSpPr>
+            <p:spPr>
+              <a:xfrm>
+                <a:off x="494024" y="3776384"/>
+                <a:ext cx="4408235" cy="2958048"/>
+              </a:xfrm>
+              <a:prstGeom prst="rect">
+                <a:avLst/>
+              </a:prstGeom>
+            </p:spPr>
+            <p:txBody>
+              <a:bodyPr vert="horz" lIns="91440" tIns="45720" rIns="91440" bIns="45720" rtlCol="0">
+                <a:normAutofit lnSpcReduction="10000"/>
+              </a:bodyPr>
+              <a:lstStyle>
+                <a:lvl1pPr marL="228600" indent="-228600" algn="l" defTabSz="914400" rtl="0" eaLnBrk="1" latinLnBrk="0" hangingPunct="1">
+                  <a:lnSpc>
+                    <a:spcPct val="120000"/>
+                  </a:lnSpc>
+                  <a:spcBef>
+                    <a:spcPts val="1000"/>
+                  </a:spcBef>
+                  <a:buClr>
+                    <a:schemeClr val="accent1"/>
+                  </a:buClr>
+                  <a:buSzPct val="100000"/>
+                  <a:buFont typeface="Calibri" panose="020F0502020204030204" pitchFamily="34" charset="0"/>
+                  <a:buChar char="▪"/>
+                  <a:defRPr sz="2000" kern="1200">
+                    <a:solidFill>
+                      <a:schemeClr val="tx1"/>
+                    </a:solidFill>
+                    <a:latin typeface="+mn-lt"/>
+                    <a:ea typeface="+mn-ea"/>
+                    <a:cs typeface="+mn-cs"/>
+                  </a:defRPr>
+                </a:lvl1pPr>
+                <a:lvl2pPr marL="685800" indent="-228600" algn="l" defTabSz="914400" rtl="0" eaLnBrk="1" latinLnBrk="0" hangingPunct="1">
+                  <a:lnSpc>
+                    <a:spcPct val="120000"/>
+                  </a:lnSpc>
+                  <a:spcBef>
+                    <a:spcPts val="500"/>
+                  </a:spcBef>
+                  <a:buClr>
+                    <a:schemeClr val="accent1"/>
+                  </a:buClr>
+                  <a:buSzPct val="100000"/>
+                  <a:buFont typeface="Calibri" panose="020F0502020204030204" pitchFamily="34" charset="0"/>
+                  <a:buChar char="▪"/>
+                  <a:defRPr sz="1800" kern="1200">
+                    <a:solidFill>
+                      <a:schemeClr val="tx1"/>
+                    </a:solidFill>
+                    <a:latin typeface="+mn-lt"/>
+                    <a:ea typeface="+mn-ea"/>
+                    <a:cs typeface="+mn-cs"/>
+                  </a:defRPr>
+                </a:lvl2pPr>
+                <a:lvl3pPr marL="1143000" indent="-228600" algn="l" defTabSz="914400" rtl="0" eaLnBrk="1" latinLnBrk="0" hangingPunct="1">
+                  <a:lnSpc>
+                    <a:spcPct val="120000"/>
+                  </a:lnSpc>
+                  <a:spcBef>
+                    <a:spcPts val="500"/>
+                  </a:spcBef>
+                  <a:buClr>
+                    <a:schemeClr val="accent1"/>
+                  </a:buClr>
+                  <a:buSzPct val="100000"/>
+                  <a:buFont typeface="Calibri" panose="020F0502020204030204" pitchFamily="34" charset="0"/>
+                  <a:buChar char="▪"/>
+                  <a:defRPr sz="1600" kern="1200">
+                    <a:solidFill>
+                      <a:schemeClr val="tx1"/>
+                    </a:solidFill>
+                    <a:latin typeface="+mn-lt"/>
+                    <a:ea typeface="+mn-ea"/>
+                    <a:cs typeface="+mn-cs"/>
+                  </a:defRPr>
+                </a:lvl3pPr>
+                <a:lvl4pPr marL="1600200" indent="-228600" algn="l" defTabSz="914400" rtl="0" eaLnBrk="1" latinLnBrk="0" hangingPunct="1">
+                  <a:lnSpc>
+                    <a:spcPct val="120000"/>
+                  </a:lnSpc>
+                  <a:spcBef>
+                    <a:spcPts val="500"/>
+                  </a:spcBef>
+                  <a:buClr>
+                    <a:schemeClr val="accent1"/>
+                  </a:buClr>
+                  <a:buSzPct val="100000"/>
+                  <a:buFont typeface="Calibri" panose="020F0502020204030204" pitchFamily="34" charset="0"/>
+                  <a:buChar char="▪"/>
+                  <a:defRPr sz="1400" kern="1200">
+                    <a:solidFill>
+                      <a:schemeClr val="tx1"/>
+                    </a:solidFill>
+                    <a:latin typeface="+mn-lt"/>
+                    <a:ea typeface="+mn-ea"/>
+                    <a:cs typeface="+mn-cs"/>
+                  </a:defRPr>
+                </a:lvl4pPr>
+                <a:lvl5pPr marL="2057400" indent="-228600" algn="l" defTabSz="914400" rtl="0" eaLnBrk="1" latinLnBrk="0" hangingPunct="1">
+                  <a:lnSpc>
+                    <a:spcPct val="120000"/>
+                  </a:lnSpc>
+                  <a:spcBef>
+                    <a:spcPts val="500"/>
+                  </a:spcBef>
+                  <a:buClr>
+                    <a:schemeClr val="accent1"/>
+                  </a:buClr>
+                  <a:buSzPct val="100000"/>
+                  <a:buFont typeface="Calibri" panose="020F0502020204030204" pitchFamily="34" charset="0"/>
+                  <a:buChar char="▪"/>
+                  <a:defRPr sz="1400" kern="1200">
+                    <a:solidFill>
+                      <a:schemeClr val="tx1"/>
+                    </a:solidFill>
+                    <a:latin typeface="+mn-lt"/>
+                    <a:ea typeface="+mn-ea"/>
+                    <a:cs typeface="+mn-cs"/>
+                  </a:defRPr>
+                </a:lvl5pPr>
+                <a:lvl6pPr marL="2514600" indent="-228600" algn="l" defTabSz="914400" rtl="0" eaLnBrk="1" latinLnBrk="0" hangingPunct="1">
+                  <a:lnSpc>
+                    <a:spcPct val="90000"/>
+                  </a:lnSpc>
+                  <a:spcBef>
+                    <a:spcPts val="500"/>
+                  </a:spcBef>
+                  <a:buFont typeface="Arial" panose="020B0604020202020204" pitchFamily="34" charset="0"/>
+                  <a:buChar char="•"/>
+                  <a:defRPr sz="1800" kern="1200">
+                    <a:solidFill>
+                      <a:schemeClr val="tx1"/>
+                    </a:solidFill>
+                    <a:latin typeface="+mn-lt"/>
+                    <a:ea typeface="+mn-ea"/>
+                    <a:cs typeface="+mn-cs"/>
+                  </a:defRPr>
+                </a:lvl6pPr>
+                <a:lvl7pPr marL="2971800" indent="-228600" algn="l" defTabSz="914400" rtl="0" eaLnBrk="1" latinLnBrk="0" hangingPunct="1">
+                  <a:lnSpc>
+                    <a:spcPct val="90000"/>
+                  </a:lnSpc>
+                  <a:spcBef>
+                    <a:spcPts val="500"/>
+                  </a:spcBef>
+                  <a:buFont typeface="Arial" panose="020B0604020202020204" pitchFamily="34" charset="0"/>
+                  <a:buChar char="•"/>
+                  <a:defRPr sz="1800" kern="1200">
+                    <a:solidFill>
+                      <a:schemeClr val="tx1"/>
+                    </a:solidFill>
+                    <a:latin typeface="+mn-lt"/>
+                    <a:ea typeface="+mn-ea"/>
+                    <a:cs typeface="+mn-cs"/>
+                  </a:defRPr>
+                </a:lvl7pPr>
+                <a:lvl8pPr marL="3429000" indent="-228600" algn="l" defTabSz="914400" rtl="0" eaLnBrk="1" latinLnBrk="0" hangingPunct="1">
+                  <a:lnSpc>
+                    <a:spcPct val="90000"/>
+                  </a:lnSpc>
+                  <a:spcBef>
+                    <a:spcPts val="500"/>
+                  </a:spcBef>
+                  <a:buFont typeface="Arial" panose="020B0604020202020204" pitchFamily="34" charset="0"/>
+                  <a:buChar char="•"/>
+                  <a:defRPr sz="1800" kern="1200">
+                    <a:solidFill>
+                      <a:schemeClr val="tx1"/>
+                    </a:solidFill>
+                    <a:latin typeface="+mn-lt"/>
+                    <a:ea typeface="+mn-ea"/>
+                    <a:cs typeface="+mn-cs"/>
+                  </a:defRPr>
+                </a:lvl8pPr>
+                <a:lvl9pPr marL="3886200" indent="-228600" algn="l" defTabSz="914400" rtl="0" eaLnBrk="1" latinLnBrk="0" hangingPunct="1">
+                  <a:lnSpc>
+                    <a:spcPct val="90000"/>
+                  </a:lnSpc>
+                  <a:spcBef>
+                    <a:spcPts val="500"/>
+                  </a:spcBef>
+                  <a:buFont typeface="Arial" panose="020B0604020202020204" pitchFamily="34" charset="0"/>
+                  <a:buChar char="•"/>
+                  <a:defRPr sz="1800" kern="1200">
+                    <a:solidFill>
+                      <a:schemeClr val="tx1"/>
+                    </a:solidFill>
+                    <a:latin typeface="+mn-lt"/>
+                    <a:ea typeface="+mn-ea"/>
+                    <a:cs typeface="+mn-cs"/>
+                  </a:defRPr>
+                </a:lvl9pPr>
+              </a:lstStyle>
+              <a:p>
+                <a:r>
+                  <a:rPr lang="en-US" altLang="zh-CN" sz="2000" dirty="0">
+                    <a:latin typeface="Arial" panose="020B0604020202020204" pitchFamily="34" charset="0"/>
+                    <a:cs typeface="Arial" panose="020B0604020202020204" pitchFamily="34" charset="0"/>
+                  </a:rPr>
+                  <a:t>So if we have coefficients </a:t>
+                </a:r>
+                <a14:m>
+                  <m:oMath xmlns:m="http://schemas.openxmlformats.org/officeDocument/2006/math">
+                    <m:sSub>
+                      <m:sSubPr>
+                        <m:ctrlPr>
+                          <a:rPr lang="en-US" altLang="zh-CN" sz="2000" i="1" dirty="0">
+                            <a:latin typeface="Cambria Math" panose="02040503050406030204" pitchFamily="18" charset="0"/>
+                            <a:cs typeface="Arial" panose="020B0604020202020204" pitchFamily="34" charset="0"/>
+                          </a:rPr>
+                        </m:ctrlPr>
+                      </m:sSubPr>
+                      <m:e>
+                        <m:r>
+                          <a:rPr lang="en-US" altLang="zh-CN" sz="2000" dirty="0">
+                            <a:latin typeface="Cambria Math" panose="02040503050406030204" pitchFamily="18" charset="0"/>
+                            <a:cs typeface="Arial" panose="020B0604020202020204" pitchFamily="34" charset="0"/>
+                          </a:rPr>
+                          <m:t>𝑎</m:t>
+                        </m:r>
+                      </m:e>
+                      <m:sub>
+                        <m:r>
+                          <a:rPr lang="en-US" altLang="zh-CN" sz="2000" dirty="0">
+                            <a:latin typeface="Cambria Math" panose="02040503050406030204" pitchFamily="18" charset="0"/>
+                            <a:cs typeface="Arial" panose="020B0604020202020204" pitchFamily="34" charset="0"/>
+                          </a:rPr>
+                          <m:t>0</m:t>
+                        </m:r>
+                      </m:sub>
+                    </m:sSub>
+                    <m:r>
+                      <a:rPr lang="en-US" altLang="zh-CN" sz="2000" dirty="0">
+                        <a:latin typeface="Cambria Math" panose="02040503050406030204" pitchFamily="18" charset="0"/>
+                        <a:cs typeface="Arial" panose="020B0604020202020204" pitchFamily="34" charset="0"/>
+                      </a:rPr>
+                      <m:t>, </m:t>
+                    </m:r>
+                    <m:sSub>
+                      <m:sSubPr>
+                        <m:ctrlPr>
+                          <a:rPr lang="en-US" altLang="zh-CN" sz="2000" i="1" dirty="0">
+                            <a:latin typeface="Cambria Math" panose="02040503050406030204" pitchFamily="18" charset="0"/>
+                            <a:cs typeface="Arial" panose="020B0604020202020204" pitchFamily="34" charset="0"/>
+                          </a:rPr>
+                        </m:ctrlPr>
+                      </m:sSubPr>
+                      <m:e>
+                        <m:r>
+                          <a:rPr lang="en-US" altLang="zh-CN" sz="2000" dirty="0">
+                            <a:latin typeface="Cambria Math" panose="02040503050406030204" pitchFamily="18" charset="0"/>
+                            <a:cs typeface="Arial" panose="020B0604020202020204" pitchFamily="34" charset="0"/>
+                          </a:rPr>
+                          <m:t>𝑎</m:t>
+                        </m:r>
+                      </m:e>
+                      <m:sub>
+                        <m:r>
+                          <a:rPr lang="en-US" altLang="zh-CN" sz="2000" dirty="0">
+                            <a:latin typeface="Cambria Math" panose="02040503050406030204" pitchFamily="18" charset="0"/>
+                            <a:cs typeface="Arial" panose="020B0604020202020204" pitchFamily="34" charset="0"/>
+                          </a:rPr>
+                          <m:t>1</m:t>
+                        </m:r>
+                      </m:sub>
+                    </m:sSub>
+                    <m:r>
+                      <a:rPr lang="en-US" altLang="zh-CN" sz="2000" dirty="0">
+                        <a:latin typeface="Cambria Math" panose="02040503050406030204" pitchFamily="18" charset="0"/>
+                        <a:cs typeface="Arial" panose="020B0604020202020204" pitchFamily="34" charset="0"/>
+                      </a:rPr>
+                      <m:t>, . . . , </m:t>
+                    </m:r>
+                    <m:sSub>
+                      <m:sSubPr>
+                        <m:ctrlPr>
+                          <a:rPr lang="en-US" altLang="zh-CN" sz="2000" i="1" dirty="0">
+                            <a:latin typeface="Cambria Math" panose="02040503050406030204" pitchFamily="18" charset="0"/>
+                            <a:cs typeface="Arial" panose="020B0604020202020204" pitchFamily="34" charset="0"/>
+                          </a:rPr>
+                        </m:ctrlPr>
+                      </m:sSubPr>
+                      <m:e>
+                        <m:r>
+                          <a:rPr lang="en-US" altLang="zh-CN" sz="2000" dirty="0">
+                            <a:latin typeface="Cambria Math" panose="02040503050406030204" pitchFamily="18" charset="0"/>
+                            <a:cs typeface="Arial" panose="020B0604020202020204" pitchFamily="34" charset="0"/>
+                          </a:rPr>
+                          <m:t>𝑎</m:t>
+                        </m:r>
+                      </m:e>
+                      <m:sub>
+                        <m:r>
+                          <a:rPr lang="en-US" altLang="zh-CN" sz="2000" dirty="0">
+                            <a:latin typeface="Cambria Math" panose="02040503050406030204" pitchFamily="18" charset="0"/>
+                            <a:cs typeface="Arial" panose="020B0604020202020204" pitchFamily="34" charset="0"/>
+                          </a:rPr>
+                          <m:t>𝑘</m:t>
+                        </m:r>
+                        <m:r>
+                          <a:rPr lang="en-US" altLang="zh-CN" sz="2000" dirty="0">
+                            <a:latin typeface="Cambria Math" panose="02040503050406030204" pitchFamily="18" charset="0"/>
+                            <a:cs typeface="Arial" panose="020B0604020202020204" pitchFamily="34" charset="0"/>
+                          </a:rPr>
+                          <m:t>−1</m:t>
+                        </m:r>
+                      </m:sub>
+                    </m:sSub>
+                    <m:r>
+                      <a:rPr lang="en-US" altLang="zh-CN" sz="2000" dirty="0">
+                        <a:latin typeface="Cambria Math" panose="02040503050406030204" pitchFamily="18" charset="0"/>
+                        <a:cs typeface="Arial" panose="020B0604020202020204" pitchFamily="34" charset="0"/>
+                      </a:rPr>
+                      <m:t> </m:t>
+                    </m:r>
+                  </m:oMath>
+                </a14:m>
+                <a:r>
+                  <a:rPr lang="en-US" altLang="zh-CN" sz="2000" dirty="0">
+                    <a:latin typeface="Arial" panose="020B0604020202020204" pitchFamily="34" charset="0"/>
+                    <a:cs typeface="Arial" panose="020B0604020202020204" pitchFamily="34" charset="0"/>
+                  </a:rPr>
+                  <a:t>and variables </a:t>
+                </a:r>
+                <a14:m>
+                  <m:oMath xmlns:m="http://schemas.openxmlformats.org/officeDocument/2006/math">
+                    <m:sSub>
+                      <m:sSubPr>
+                        <m:ctrlPr>
+                          <a:rPr lang="en-US" altLang="zh-CN" sz="2000" i="1" dirty="0">
+                            <a:latin typeface="Cambria Math" panose="02040503050406030204" pitchFamily="18" charset="0"/>
+                            <a:cs typeface="Arial" panose="020B0604020202020204" pitchFamily="34" charset="0"/>
+                          </a:rPr>
+                        </m:ctrlPr>
+                      </m:sSubPr>
+                      <m:e>
+                        <m:r>
+                          <a:rPr lang="en-US" altLang="zh-CN" sz="2000" dirty="0">
+                            <a:latin typeface="Cambria Math" panose="02040503050406030204" pitchFamily="18" charset="0"/>
+                            <a:cs typeface="Arial" panose="020B0604020202020204" pitchFamily="34" charset="0"/>
+                          </a:rPr>
+                          <m:t>𝑥</m:t>
+                        </m:r>
+                      </m:e>
+                      <m:sub>
+                        <m:r>
+                          <a:rPr lang="en-US" altLang="zh-CN" sz="2000" dirty="0">
+                            <a:latin typeface="Cambria Math" panose="02040503050406030204" pitchFamily="18" charset="0"/>
+                            <a:cs typeface="Arial" panose="020B0604020202020204" pitchFamily="34" charset="0"/>
+                          </a:rPr>
+                          <m:t>0</m:t>
+                        </m:r>
+                      </m:sub>
+                    </m:sSub>
+                    <m:r>
+                      <a:rPr lang="en-US" altLang="zh-CN" sz="2000" dirty="0">
+                        <a:latin typeface="Cambria Math" panose="02040503050406030204" pitchFamily="18" charset="0"/>
+                        <a:cs typeface="Arial" panose="020B0604020202020204" pitchFamily="34" charset="0"/>
+                      </a:rPr>
+                      <m:t>, </m:t>
+                    </m:r>
+                    <m:sSub>
+                      <m:sSubPr>
+                        <m:ctrlPr>
+                          <a:rPr lang="en-US" altLang="zh-CN" sz="2000" i="1" dirty="0">
+                            <a:latin typeface="Cambria Math" panose="02040503050406030204" pitchFamily="18" charset="0"/>
+                            <a:cs typeface="Arial" panose="020B0604020202020204" pitchFamily="34" charset="0"/>
+                          </a:rPr>
+                        </m:ctrlPr>
+                      </m:sSubPr>
+                      <m:e>
+                        <m:r>
+                          <a:rPr lang="en-US" altLang="zh-CN" sz="2000" dirty="0">
+                            <a:latin typeface="Cambria Math" panose="02040503050406030204" pitchFamily="18" charset="0"/>
+                            <a:cs typeface="Arial" panose="020B0604020202020204" pitchFamily="34" charset="0"/>
+                          </a:rPr>
+                          <m:t>𝑥</m:t>
+                        </m:r>
+                      </m:e>
+                      <m:sub>
+                        <m:r>
+                          <a:rPr lang="en-US" altLang="zh-CN" sz="2000" dirty="0">
+                            <a:latin typeface="Cambria Math" panose="02040503050406030204" pitchFamily="18" charset="0"/>
+                            <a:cs typeface="Arial" panose="020B0604020202020204" pitchFamily="34" charset="0"/>
+                          </a:rPr>
+                          <m:t>1</m:t>
+                        </m:r>
+                      </m:sub>
+                    </m:sSub>
+                    <m:r>
+                      <a:rPr lang="en-US" altLang="zh-CN" sz="2000" dirty="0">
+                        <a:latin typeface="Cambria Math" panose="02040503050406030204" pitchFamily="18" charset="0"/>
+                        <a:cs typeface="Arial" panose="020B0604020202020204" pitchFamily="34" charset="0"/>
+                      </a:rPr>
+                      <m:t>, . . . , </m:t>
+                    </m:r>
+                    <m:sSub>
+                      <m:sSubPr>
+                        <m:ctrlPr>
+                          <a:rPr lang="en-US" altLang="zh-CN" sz="2000" i="1" dirty="0">
+                            <a:latin typeface="Cambria Math" panose="02040503050406030204" pitchFamily="18" charset="0"/>
+                            <a:cs typeface="Arial" panose="020B0604020202020204" pitchFamily="34" charset="0"/>
+                          </a:rPr>
+                        </m:ctrlPr>
+                      </m:sSubPr>
+                      <m:e>
+                        <m:r>
+                          <a:rPr lang="en-US" altLang="zh-CN" sz="2000" dirty="0">
+                            <a:latin typeface="Cambria Math" panose="02040503050406030204" pitchFamily="18" charset="0"/>
+                            <a:cs typeface="Arial" panose="020B0604020202020204" pitchFamily="34" charset="0"/>
+                          </a:rPr>
+                          <m:t>𝑥</m:t>
+                        </m:r>
+                      </m:e>
+                      <m:sub>
+                        <m:r>
+                          <a:rPr lang="en-US" altLang="zh-CN" sz="2000" dirty="0">
+                            <a:latin typeface="Cambria Math" panose="02040503050406030204" pitchFamily="18" charset="0"/>
+                            <a:cs typeface="Arial" panose="020B0604020202020204" pitchFamily="34" charset="0"/>
+                          </a:rPr>
+                          <m:t>𝑘</m:t>
+                        </m:r>
+                        <m:r>
+                          <a:rPr lang="en-US" altLang="zh-CN" sz="2000" dirty="0">
+                            <a:latin typeface="Cambria Math" panose="02040503050406030204" pitchFamily="18" charset="0"/>
+                            <a:cs typeface="Arial" panose="020B0604020202020204" pitchFamily="34" charset="0"/>
+                          </a:rPr>
+                          <m:t>−1</m:t>
+                        </m:r>
+                      </m:sub>
+                    </m:sSub>
+                  </m:oMath>
+                </a14:m>
+                <a:r>
+                  <a:rPr lang="en-US" altLang="zh-CN" sz="2000" dirty="0">
+                    <a:latin typeface="Arial" panose="020B0604020202020204" pitchFamily="34" charset="0"/>
+                    <a:cs typeface="Arial" panose="020B0604020202020204" pitchFamily="34" charset="0"/>
+                  </a:rPr>
+                  <a:t>, we can encode the coefficients to </a:t>
+                </a:r>
+                <a14:m>
+                  <m:oMath xmlns:m="http://schemas.openxmlformats.org/officeDocument/2006/math">
+                    <m:r>
+                      <a:rPr lang="en-US" altLang="zh-CN" sz="2000" dirty="0">
+                        <a:latin typeface="Cambria Math" panose="02040503050406030204" pitchFamily="18" charset="0"/>
+                        <a:cs typeface="Arial" panose="020B0604020202020204" pitchFamily="34" charset="0"/>
+                      </a:rPr>
+                      <m:t>𝑓</m:t>
+                    </m:r>
+                    <m:r>
+                      <a:rPr lang="en-US" altLang="zh-CN" sz="2000" dirty="0">
+                        <a:latin typeface="Cambria Math" panose="02040503050406030204" pitchFamily="18" charset="0"/>
+                        <a:cs typeface="Arial" panose="020B0604020202020204" pitchFamily="34" charset="0"/>
+                      </a:rPr>
+                      <m:t> (</m:t>
+                    </m:r>
+                    <m:sSub>
+                      <m:sSubPr>
+                        <m:ctrlPr>
+                          <a:rPr lang="en-US" altLang="zh-CN" sz="2000" i="1" dirty="0">
+                            <a:latin typeface="Cambria Math" panose="02040503050406030204" pitchFamily="18" charset="0"/>
+                            <a:cs typeface="Arial" panose="020B0604020202020204" pitchFamily="34" charset="0"/>
+                          </a:rPr>
+                        </m:ctrlPr>
+                      </m:sSubPr>
+                      <m:e>
+                        <m:r>
+                          <a:rPr lang="en-US" altLang="zh-CN" sz="2000" dirty="0">
+                            <a:latin typeface="Cambria Math" panose="02040503050406030204" pitchFamily="18" charset="0"/>
+                            <a:cs typeface="Arial" panose="020B0604020202020204" pitchFamily="34" charset="0"/>
+                          </a:rPr>
+                          <m:t>𝑥</m:t>
+                        </m:r>
+                      </m:e>
+                      <m:sub>
+                        <m:r>
+                          <a:rPr lang="en-US" altLang="zh-CN" sz="2000" dirty="0">
+                            <a:latin typeface="Cambria Math" panose="02040503050406030204" pitchFamily="18" charset="0"/>
+                            <a:cs typeface="Arial" panose="020B0604020202020204" pitchFamily="34" charset="0"/>
+                          </a:rPr>
+                          <m:t>0</m:t>
+                        </m:r>
+                      </m:sub>
+                    </m:sSub>
+                    <m:r>
+                      <a:rPr lang="en-US" altLang="zh-CN" sz="2000" dirty="0">
+                        <a:latin typeface="Cambria Math" panose="02040503050406030204" pitchFamily="18" charset="0"/>
+                        <a:cs typeface="Arial" panose="020B0604020202020204" pitchFamily="34" charset="0"/>
+                      </a:rPr>
+                      <m:t>), </m:t>
+                    </m:r>
+                    <m:r>
+                      <a:rPr lang="en-US" altLang="zh-CN" sz="2000" dirty="0">
+                        <a:latin typeface="Cambria Math" panose="02040503050406030204" pitchFamily="18" charset="0"/>
+                        <a:cs typeface="Arial" panose="020B0604020202020204" pitchFamily="34" charset="0"/>
+                      </a:rPr>
+                      <m:t>𝑓</m:t>
+                    </m:r>
+                    <m:r>
+                      <a:rPr lang="en-US" altLang="zh-CN" sz="2000" dirty="0">
+                        <a:latin typeface="Cambria Math" panose="02040503050406030204" pitchFamily="18" charset="0"/>
+                        <a:cs typeface="Arial" panose="020B0604020202020204" pitchFamily="34" charset="0"/>
+                      </a:rPr>
+                      <m:t> (</m:t>
+                    </m:r>
+                    <m:sSub>
+                      <m:sSubPr>
+                        <m:ctrlPr>
+                          <a:rPr lang="en-US" altLang="zh-CN" sz="2000" i="1" dirty="0">
+                            <a:latin typeface="Cambria Math" panose="02040503050406030204" pitchFamily="18" charset="0"/>
+                            <a:cs typeface="Arial" panose="020B0604020202020204" pitchFamily="34" charset="0"/>
+                          </a:rPr>
+                        </m:ctrlPr>
+                      </m:sSubPr>
+                      <m:e>
+                        <m:r>
+                          <a:rPr lang="en-US" altLang="zh-CN" sz="2000" dirty="0">
+                            <a:latin typeface="Cambria Math" panose="02040503050406030204" pitchFamily="18" charset="0"/>
+                            <a:cs typeface="Arial" panose="020B0604020202020204" pitchFamily="34" charset="0"/>
+                          </a:rPr>
+                          <m:t>𝑥</m:t>
+                        </m:r>
+                      </m:e>
+                      <m:sub>
+                        <m:r>
+                          <a:rPr lang="en-US" altLang="zh-CN" sz="2000" dirty="0">
+                            <a:latin typeface="Cambria Math" panose="02040503050406030204" pitchFamily="18" charset="0"/>
+                            <a:cs typeface="Arial" panose="020B0604020202020204" pitchFamily="34" charset="0"/>
+                          </a:rPr>
+                          <m:t>1</m:t>
+                        </m:r>
+                      </m:sub>
+                    </m:sSub>
+                    <m:r>
+                      <a:rPr lang="en-US" altLang="zh-CN" sz="2000" dirty="0">
+                        <a:latin typeface="Cambria Math" panose="02040503050406030204" pitchFamily="18" charset="0"/>
+                        <a:cs typeface="Arial" panose="020B0604020202020204" pitchFamily="34" charset="0"/>
+                      </a:rPr>
+                      <m:t>), . . . , </m:t>
+                    </m:r>
+                    <m:r>
+                      <a:rPr lang="en-US" altLang="zh-CN" sz="2000" dirty="0">
+                        <a:latin typeface="Cambria Math" panose="02040503050406030204" pitchFamily="18" charset="0"/>
+                        <a:cs typeface="Arial" panose="020B0604020202020204" pitchFamily="34" charset="0"/>
+                      </a:rPr>
+                      <m:t>𝑓</m:t>
+                    </m:r>
+                    <m:r>
+                      <a:rPr lang="en-US" altLang="zh-CN" sz="2000" dirty="0">
+                        <a:latin typeface="Cambria Math" panose="02040503050406030204" pitchFamily="18" charset="0"/>
+                        <a:cs typeface="Arial" panose="020B0604020202020204" pitchFamily="34" charset="0"/>
+                      </a:rPr>
+                      <m:t> (</m:t>
+                    </m:r>
+                    <m:sSub>
+                      <m:sSubPr>
+                        <m:ctrlPr>
+                          <a:rPr lang="en-US" altLang="zh-CN" sz="2000" i="1" dirty="0">
+                            <a:latin typeface="Cambria Math" panose="02040503050406030204" pitchFamily="18" charset="0"/>
+                            <a:cs typeface="Arial" panose="020B0604020202020204" pitchFamily="34" charset="0"/>
+                          </a:rPr>
+                        </m:ctrlPr>
+                      </m:sSubPr>
+                      <m:e>
+                        <m:r>
+                          <a:rPr lang="en-US" altLang="zh-CN" sz="2000" dirty="0">
+                            <a:latin typeface="Cambria Math" panose="02040503050406030204" pitchFamily="18" charset="0"/>
+                            <a:cs typeface="Arial" panose="020B0604020202020204" pitchFamily="34" charset="0"/>
+                          </a:rPr>
+                          <m:t>𝑥</m:t>
+                        </m:r>
+                      </m:e>
+                      <m:sub>
+                        <m:r>
+                          <a:rPr lang="en-US" altLang="zh-CN" sz="2000" dirty="0">
+                            <a:latin typeface="Cambria Math" panose="02040503050406030204" pitchFamily="18" charset="0"/>
+                            <a:cs typeface="Arial" panose="020B0604020202020204" pitchFamily="34" charset="0"/>
+                          </a:rPr>
+                          <m:t>𝑘</m:t>
+                        </m:r>
+                        <m:r>
+                          <a:rPr lang="en-US" altLang="zh-CN" sz="2000" dirty="0">
+                            <a:latin typeface="Cambria Math" panose="02040503050406030204" pitchFamily="18" charset="0"/>
+                            <a:cs typeface="Arial" panose="020B0604020202020204" pitchFamily="34" charset="0"/>
+                          </a:rPr>
+                          <m:t>−1</m:t>
+                        </m:r>
+                      </m:sub>
+                    </m:sSub>
+                    <m:r>
+                      <a:rPr lang="en-US" altLang="zh-CN" sz="2000" dirty="0">
+                        <a:latin typeface="Cambria Math" panose="02040503050406030204" pitchFamily="18" charset="0"/>
+                        <a:cs typeface="Arial" panose="020B0604020202020204" pitchFamily="34" charset="0"/>
+                      </a:rPr>
+                      <m:t>), </m:t>
+                    </m:r>
+                  </m:oMath>
+                </a14:m>
+                <a:r>
+                  <a:rPr lang="en-US" altLang="zh-CN" sz="2000" dirty="0">
+                    <a:latin typeface="Arial" panose="020B0604020202020204" pitchFamily="34" charset="0"/>
+                    <a:cs typeface="Arial" panose="020B0604020202020204" pitchFamily="34" charset="0"/>
+                  </a:rPr>
+                  <a:t>and decoding means getting </a:t>
+                </a:r>
+                <a14:m>
+                  <m:oMath xmlns:m="http://schemas.openxmlformats.org/officeDocument/2006/math">
+                    <m:sSub>
+                      <m:sSubPr>
+                        <m:ctrlPr>
+                          <a:rPr lang="en-US" altLang="zh-CN" sz="2000" i="1" dirty="0">
+                            <a:latin typeface="Cambria Math" panose="02040503050406030204" pitchFamily="18" charset="0"/>
+                            <a:cs typeface="Arial" panose="020B0604020202020204" pitchFamily="34" charset="0"/>
+                          </a:rPr>
+                        </m:ctrlPr>
+                      </m:sSubPr>
+                      <m:e>
+                        <m:r>
+                          <a:rPr lang="en-US" altLang="zh-CN" sz="2000" dirty="0">
+                            <a:latin typeface="Cambria Math" panose="02040503050406030204" pitchFamily="18" charset="0"/>
+                            <a:cs typeface="Arial" panose="020B0604020202020204" pitchFamily="34" charset="0"/>
+                          </a:rPr>
+                          <m:t>𝑎</m:t>
+                        </m:r>
+                      </m:e>
+                      <m:sub>
+                        <m:r>
+                          <a:rPr lang="en-US" altLang="zh-CN" sz="2000" dirty="0">
+                            <a:latin typeface="Cambria Math" panose="02040503050406030204" pitchFamily="18" charset="0"/>
+                            <a:cs typeface="Arial" panose="020B0604020202020204" pitchFamily="34" charset="0"/>
+                          </a:rPr>
+                          <m:t>0</m:t>
+                        </m:r>
+                      </m:sub>
+                    </m:sSub>
+                    <m:r>
+                      <a:rPr lang="en-US" altLang="zh-CN" sz="2000" dirty="0">
+                        <a:latin typeface="Cambria Math" panose="02040503050406030204" pitchFamily="18" charset="0"/>
+                        <a:cs typeface="Arial" panose="020B0604020202020204" pitchFamily="34" charset="0"/>
+                      </a:rPr>
+                      <m:t>, </m:t>
+                    </m:r>
+                    <m:sSub>
+                      <m:sSubPr>
+                        <m:ctrlPr>
+                          <a:rPr lang="en-US" altLang="zh-CN" sz="2000" i="1" dirty="0">
+                            <a:latin typeface="Cambria Math" panose="02040503050406030204" pitchFamily="18" charset="0"/>
+                            <a:cs typeface="Arial" panose="020B0604020202020204" pitchFamily="34" charset="0"/>
+                          </a:rPr>
+                        </m:ctrlPr>
+                      </m:sSubPr>
+                      <m:e>
+                        <m:r>
+                          <a:rPr lang="en-US" altLang="zh-CN" sz="2000" dirty="0">
+                            <a:latin typeface="Cambria Math" panose="02040503050406030204" pitchFamily="18" charset="0"/>
+                            <a:cs typeface="Arial" panose="020B0604020202020204" pitchFamily="34" charset="0"/>
+                          </a:rPr>
+                          <m:t>𝑎</m:t>
+                        </m:r>
+                      </m:e>
+                      <m:sub>
+                        <m:r>
+                          <a:rPr lang="en-US" altLang="zh-CN" sz="2000" dirty="0">
+                            <a:latin typeface="Cambria Math" panose="02040503050406030204" pitchFamily="18" charset="0"/>
+                            <a:cs typeface="Arial" panose="020B0604020202020204" pitchFamily="34" charset="0"/>
+                          </a:rPr>
+                          <m:t>1</m:t>
+                        </m:r>
+                      </m:sub>
+                    </m:sSub>
+                    <m:r>
+                      <a:rPr lang="en-US" altLang="zh-CN" sz="2000" dirty="0">
+                        <a:latin typeface="Cambria Math" panose="02040503050406030204" pitchFamily="18" charset="0"/>
+                        <a:cs typeface="Arial" panose="020B0604020202020204" pitchFamily="34" charset="0"/>
+                      </a:rPr>
+                      <m:t>, . . . , </m:t>
+                    </m:r>
+                    <m:sSub>
+                      <m:sSubPr>
+                        <m:ctrlPr>
+                          <a:rPr lang="en-US" altLang="zh-CN" sz="2000" i="1" dirty="0">
+                            <a:latin typeface="Cambria Math" panose="02040503050406030204" pitchFamily="18" charset="0"/>
+                            <a:cs typeface="Arial" panose="020B0604020202020204" pitchFamily="34" charset="0"/>
+                          </a:rPr>
+                        </m:ctrlPr>
+                      </m:sSubPr>
+                      <m:e>
+                        <m:r>
+                          <a:rPr lang="en-US" altLang="zh-CN" sz="2000" dirty="0">
+                            <a:latin typeface="Cambria Math" panose="02040503050406030204" pitchFamily="18" charset="0"/>
+                            <a:cs typeface="Arial" panose="020B0604020202020204" pitchFamily="34" charset="0"/>
+                          </a:rPr>
+                          <m:t>𝑎</m:t>
+                        </m:r>
+                      </m:e>
+                      <m:sub>
+                        <m:r>
+                          <a:rPr lang="en-US" altLang="zh-CN" sz="2000" dirty="0">
+                            <a:latin typeface="Cambria Math" panose="02040503050406030204" pitchFamily="18" charset="0"/>
+                            <a:cs typeface="Arial" panose="020B0604020202020204" pitchFamily="34" charset="0"/>
+                          </a:rPr>
+                          <m:t>𝑘</m:t>
+                        </m:r>
+                        <m:r>
+                          <a:rPr lang="en-US" altLang="zh-CN" sz="2000" dirty="0">
+                            <a:latin typeface="Cambria Math" panose="02040503050406030204" pitchFamily="18" charset="0"/>
+                            <a:cs typeface="Arial" panose="020B0604020202020204" pitchFamily="34" charset="0"/>
+                          </a:rPr>
+                          <m:t>−1</m:t>
+                        </m:r>
+                      </m:sub>
+                    </m:sSub>
+                    <m:r>
+                      <a:rPr lang="en-US" altLang="zh-CN" sz="2000" dirty="0">
+                        <a:latin typeface="Cambria Math" panose="02040503050406030204" pitchFamily="18" charset="0"/>
+                        <a:cs typeface="Arial" panose="020B0604020202020204" pitchFamily="34" charset="0"/>
+                      </a:rPr>
+                      <m:t> </m:t>
+                    </m:r>
+                  </m:oMath>
+                </a14:m>
+                <a:r>
+                  <a:rPr lang="en-US" altLang="zh-CN" sz="2000" dirty="0">
+                    <a:latin typeface="Arial" panose="020B0604020202020204" pitchFamily="34" charset="0"/>
+                    <a:cs typeface="Arial" panose="020B0604020202020204" pitchFamily="34" charset="0"/>
+                  </a:rPr>
+                  <a:t>via variables </a:t>
+                </a:r>
+                <a14:m>
+                  <m:oMath xmlns:m="http://schemas.openxmlformats.org/officeDocument/2006/math">
+                    <m:sSub>
+                      <m:sSubPr>
+                        <m:ctrlPr>
+                          <a:rPr lang="en-US" altLang="zh-CN" sz="2000" i="1" dirty="0">
+                            <a:latin typeface="Cambria Math" panose="02040503050406030204" pitchFamily="18" charset="0"/>
+                            <a:cs typeface="Arial" panose="020B0604020202020204" pitchFamily="34" charset="0"/>
+                          </a:rPr>
+                        </m:ctrlPr>
+                      </m:sSubPr>
+                      <m:e>
+                        <m:r>
+                          <a:rPr lang="en-US" altLang="zh-CN" sz="2000" dirty="0">
+                            <a:latin typeface="Cambria Math" panose="02040503050406030204" pitchFamily="18" charset="0"/>
+                            <a:cs typeface="Arial" panose="020B0604020202020204" pitchFamily="34" charset="0"/>
+                          </a:rPr>
+                          <m:t>𝑥</m:t>
+                        </m:r>
+                      </m:e>
+                      <m:sub>
+                        <m:r>
+                          <a:rPr lang="en-US" altLang="zh-CN" sz="2000" dirty="0">
+                            <a:latin typeface="Cambria Math" panose="02040503050406030204" pitchFamily="18" charset="0"/>
+                            <a:cs typeface="Arial" panose="020B0604020202020204" pitchFamily="34" charset="0"/>
+                          </a:rPr>
+                          <m:t>0</m:t>
+                        </m:r>
+                      </m:sub>
+                    </m:sSub>
+                    <m:r>
+                      <a:rPr lang="en-US" altLang="zh-CN" sz="2000" dirty="0">
+                        <a:latin typeface="Cambria Math" panose="02040503050406030204" pitchFamily="18" charset="0"/>
+                        <a:cs typeface="Arial" panose="020B0604020202020204" pitchFamily="34" charset="0"/>
+                      </a:rPr>
+                      <m:t>, </m:t>
+                    </m:r>
+                    <m:sSub>
+                      <m:sSubPr>
+                        <m:ctrlPr>
+                          <a:rPr lang="en-US" altLang="zh-CN" sz="2000" i="1" dirty="0">
+                            <a:latin typeface="Cambria Math" panose="02040503050406030204" pitchFamily="18" charset="0"/>
+                            <a:cs typeface="Arial" panose="020B0604020202020204" pitchFamily="34" charset="0"/>
+                          </a:rPr>
+                        </m:ctrlPr>
+                      </m:sSubPr>
+                      <m:e>
+                        <m:r>
+                          <a:rPr lang="en-US" altLang="zh-CN" sz="2000" dirty="0">
+                            <a:latin typeface="Cambria Math" panose="02040503050406030204" pitchFamily="18" charset="0"/>
+                            <a:cs typeface="Arial" panose="020B0604020202020204" pitchFamily="34" charset="0"/>
+                          </a:rPr>
+                          <m:t>𝑥</m:t>
+                        </m:r>
+                      </m:e>
+                      <m:sub>
+                        <m:r>
+                          <a:rPr lang="en-US" altLang="zh-CN" sz="2000" dirty="0">
+                            <a:latin typeface="Cambria Math" panose="02040503050406030204" pitchFamily="18" charset="0"/>
+                            <a:cs typeface="Arial" panose="020B0604020202020204" pitchFamily="34" charset="0"/>
+                          </a:rPr>
+                          <m:t>1</m:t>
+                        </m:r>
+                      </m:sub>
+                    </m:sSub>
+                    <m:r>
+                      <a:rPr lang="en-US" altLang="zh-CN" sz="2000" dirty="0">
+                        <a:latin typeface="Cambria Math" panose="02040503050406030204" pitchFamily="18" charset="0"/>
+                        <a:cs typeface="Arial" panose="020B0604020202020204" pitchFamily="34" charset="0"/>
+                      </a:rPr>
+                      <m:t>, . . . , </m:t>
+                    </m:r>
+                    <m:sSub>
+                      <m:sSubPr>
+                        <m:ctrlPr>
+                          <a:rPr lang="en-US" altLang="zh-CN" sz="2000" i="1" dirty="0">
+                            <a:latin typeface="Cambria Math" panose="02040503050406030204" pitchFamily="18" charset="0"/>
+                            <a:cs typeface="Arial" panose="020B0604020202020204" pitchFamily="34" charset="0"/>
+                          </a:rPr>
+                        </m:ctrlPr>
+                      </m:sSubPr>
+                      <m:e>
+                        <m:r>
+                          <a:rPr lang="en-US" altLang="zh-CN" sz="2000" dirty="0">
+                            <a:latin typeface="Cambria Math" panose="02040503050406030204" pitchFamily="18" charset="0"/>
+                            <a:cs typeface="Arial" panose="020B0604020202020204" pitchFamily="34" charset="0"/>
+                          </a:rPr>
+                          <m:t>𝑥</m:t>
+                        </m:r>
+                      </m:e>
+                      <m:sub>
+                        <m:r>
+                          <a:rPr lang="en-US" altLang="zh-CN" sz="2000" dirty="0">
+                            <a:latin typeface="Cambria Math" panose="02040503050406030204" pitchFamily="18" charset="0"/>
+                            <a:cs typeface="Arial" panose="020B0604020202020204" pitchFamily="34" charset="0"/>
+                          </a:rPr>
+                          <m:t>𝑘</m:t>
+                        </m:r>
+                        <m:r>
+                          <a:rPr lang="en-US" altLang="zh-CN" sz="2000" dirty="0">
+                            <a:latin typeface="Cambria Math" panose="02040503050406030204" pitchFamily="18" charset="0"/>
+                            <a:cs typeface="Arial" panose="020B0604020202020204" pitchFamily="34" charset="0"/>
+                          </a:rPr>
+                          <m:t>−1</m:t>
+                        </m:r>
+                      </m:sub>
+                    </m:sSub>
+                  </m:oMath>
+                </a14:m>
+                <a:r>
+                  <a:rPr lang="en-US" altLang="zh-CN" sz="2000" dirty="0">
+                    <a:latin typeface="Arial" panose="020B0604020202020204" pitchFamily="34" charset="0"/>
+                    <a:cs typeface="Arial" panose="020B0604020202020204" pitchFamily="34" charset="0"/>
+                  </a:rPr>
+                  <a:t>.</a:t>
+                </a:r>
+              </a:p>
+            </p:txBody>
+          </p:sp>
+        </mc:Choice>
+        <mc:Fallback>
+          <p:sp>
+            <p:nvSpPr>
+              <p:cNvPr id="7" name="内容占位符 4">
+                <a:extLst>
+                  <a:ext uri="{FF2B5EF4-FFF2-40B4-BE49-F238E27FC236}">
+                    <a16:creationId xmlns:a16="http://schemas.microsoft.com/office/drawing/2014/main" id="{A9EA2882-4287-3BC9-5116-C518633BBA10}"/>
+                  </a:ext>
+                </a:extLst>
+              </p:cNvPr>
+              <p:cNvSpPr txBox="1">
+                <a:spLocks noRot="1" noChangeAspect="1" noMove="1" noResize="1" noEditPoints="1" noAdjustHandles="1" noChangeArrowheads="1" noChangeShapeType="1" noTextEdit="1"/>
+              </p:cNvSpPr>
+              <p:nvPr/>
+            </p:nvSpPr>
+            <p:spPr>
+              <a:xfrm>
+                <a:off x="494024" y="3776384"/>
+                <a:ext cx="4408235" cy="2958048"/>
+              </a:xfrm>
+              <a:prstGeom prst="rect">
+                <a:avLst/>
+              </a:prstGeom>
+              <a:blipFill>
+                <a:blip r:embed="rId5"/>
+                <a:stretch>
+                  <a:fillRect l="-1521" t="-823"/>
+                </a:stretch>
+              </a:blipFill>
+            </p:spPr>
+            <p:txBody>
+              <a:bodyPr/>
+              <a:lstStyle/>
+              <a:p>
+                <a:r>
+                  <a:rPr lang="zh-CN" altLang="en-US">
+                    <a:noFill/>
+                  </a:rPr>
+                  <a:t> </a:t>
+                </a:r>
+              </a:p>
+            </p:txBody>
+          </p:sp>
+        </mc:Fallback>
+      </mc:AlternateContent>
     </p:spTree>
     <p:extLst>
       <p:ext uri="{BB962C8B-B14F-4D97-AF65-F5344CB8AC3E}">
@@ -30818,6 +31119,39 @@
           <a:chExt cx="0" cy="0"/>
         </a:xfrm>
       </p:grpSpPr>
+    </p:spTree>
+    <p:extLst>
+      <p:ext uri="{BB962C8B-B14F-4D97-AF65-F5344CB8AC3E}">
+        <p14:creationId xmlns:p14="http://schemas.microsoft.com/office/powerpoint/2010/main" val="553308207"/>
+      </p:ext>
+    </p:extLst>
+  </p:cSld>
+  <p:clrMapOvr>
+    <a:masterClrMapping/>
+  </p:clrMapOvr>
+  <p:transition spd="med">
+    <p:push/>
+  </p:transition>
+</p:sld>
+</file>
+
+<file path=ppt/slides/slide28.xml><?xml version="1.0" encoding="utf-8"?>
+<p:sld xmlns:a="http://schemas.openxmlformats.org/drawingml/2006/main" xmlns:r="http://schemas.openxmlformats.org/officeDocument/2006/relationships" xmlns:p="http://schemas.openxmlformats.org/presentationml/2006/main">
+  <p:cSld>
+    <p:spTree>
+      <p:nvGrpSpPr>
+        <p:cNvPr id="1" name=""/>
+        <p:cNvGrpSpPr/>
+        <p:nvPr/>
+      </p:nvGrpSpPr>
+      <p:grpSpPr>
+        <a:xfrm>
+          <a:off x="0" y="0"/>
+          <a:ext cx="0" cy="0"/>
+          <a:chOff x="0" y="0"/>
+          <a:chExt cx="0" cy="0"/>
+        </a:xfrm>
+      </p:grpSpPr>
       <p:sp>
         <p:nvSpPr>
           <p:cNvPr id="3" name="标题 2"/>
